--- a/Solving General Steiner Tree Problem Using Quantum Annealing.pptx
+++ b/Solving General Steiner Tree Problem Using Quantum Annealing.pptx
@@ -41,6 +41,9 @@
     <p:sldId id="286" r:id="rId35"/>
     <p:sldId id="289" r:id="rId36"/>
     <p:sldId id="291" r:id="rId37"/>
+    <p:sldId id="292" r:id="rId38"/>
+    <p:sldId id="293" r:id="rId39"/>
+    <p:sldId id="294" r:id="rId40"/>
   </p:sldIdLst>
   <p:sldSz cx="12192000" cy="6858000"/>
   <p:notesSz cx="6858000" cy="9144000"/>
@@ -294,7 +297,7 @@
           <a:p>
             <a:fld id="{CEE5B302-F809-4B5B-A910-C95D7EA268A8}" type="datetimeFigureOut">
               <a:rPr lang="en-US" smtClean="0"/>
-              <a:t>30/11/2023</a:t>
+              <a:t>3/12/2023</a:t>
             </a:fld>
             <a:endParaRPr lang="en-US"/>
           </a:p>
@@ -492,7 +495,7 @@
           <a:p>
             <a:fld id="{CEE5B302-F809-4B5B-A910-C95D7EA268A8}" type="datetimeFigureOut">
               <a:rPr lang="en-US" smtClean="0"/>
-              <a:t>30/11/2023</a:t>
+              <a:t>3/12/2023</a:t>
             </a:fld>
             <a:endParaRPr lang="en-US"/>
           </a:p>
@@ -700,7 +703,7 @@
           <a:p>
             <a:fld id="{CEE5B302-F809-4B5B-A910-C95D7EA268A8}" type="datetimeFigureOut">
               <a:rPr lang="en-US" smtClean="0"/>
-              <a:t>30/11/2023</a:t>
+              <a:t>3/12/2023</a:t>
             </a:fld>
             <a:endParaRPr lang="en-US"/>
           </a:p>
@@ -898,7 +901,7 @@
           <a:p>
             <a:fld id="{CEE5B302-F809-4B5B-A910-C95D7EA268A8}" type="datetimeFigureOut">
               <a:rPr lang="en-US" smtClean="0"/>
-              <a:t>30/11/2023</a:t>
+              <a:t>3/12/2023</a:t>
             </a:fld>
             <a:endParaRPr lang="en-US"/>
           </a:p>
@@ -1173,7 +1176,7 @@
           <a:p>
             <a:fld id="{CEE5B302-F809-4B5B-A910-C95D7EA268A8}" type="datetimeFigureOut">
               <a:rPr lang="en-US" smtClean="0"/>
-              <a:t>30/11/2023</a:t>
+              <a:t>3/12/2023</a:t>
             </a:fld>
             <a:endParaRPr lang="en-US"/>
           </a:p>
@@ -1438,7 +1441,7 @@
           <a:p>
             <a:fld id="{CEE5B302-F809-4B5B-A910-C95D7EA268A8}" type="datetimeFigureOut">
               <a:rPr lang="en-US" smtClean="0"/>
-              <a:t>30/11/2023</a:t>
+              <a:t>3/12/2023</a:t>
             </a:fld>
             <a:endParaRPr lang="en-US"/>
           </a:p>
@@ -1850,7 +1853,7 @@
           <a:p>
             <a:fld id="{CEE5B302-F809-4B5B-A910-C95D7EA268A8}" type="datetimeFigureOut">
               <a:rPr lang="en-US" smtClean="0"/>
-              <a:t>30/11/2023</a:t>
+              <a:t>3/12/2023</a:t>
             </a:fld>
             <a:endParaRPr lang="en-US"/>
           </a:p>
@@ -1991,7 +1994,7 @@
           <a:p>
             <a:fld id="{CEE5B302-F809-4B5B-A910-C95D7EA268A8}" type="datetimeFigureOut">
               <a:rPr lang="en-US" smtClean="0"/>
-              <a:t>30/11/2023</a:t>
+              <a:t>3/12/2023</a:t>
             </a:fld>
             <a:endParaRPr lang="en-US"/>
           </a:p>
@@ -2104,7 +2107,7 @@
           <a:p>
             <a:fld id="{CEE5B302-F809-4B5B-A910-C95D7EA268A8}" type="datetimeFigureOut">
               <a:rPr lang="en-US" smtClean="0"/>
-              <a:t>30/11/2023</a:t>
+              <a:t>3/12/2023</a:t>
             </a:fld>
             <a:endParaRPr lang="en-US"/>
           </a:p>
@@ -2415,7 +2418,7 @@
           <a:p>
             <a:fld id="{CEE5B302-F809-4B5B-A910-C95D7EA268A8}" type="datetimeFigureOut">
               <a:rPr lang="en-US" smtClean="0"/>
-              <a:t>30/11/2023</a:t>
+              <a:t>3/12/2023</a:t>
             </a:fld>
             <a:endParaRPr lang="en-US"/>
           </a:p>
@@ -2703,7 +2706,7 @@
           <a:p>
             <a:fld id="{CEE5B302-F809-4B5B-A910-C95D7EA268A8}" type="datetimeFigureOut">
               <a:rPr lang="en-US" smtClean="0"/>
-              <a:t>30/11/2023</a:t>
+              <a:t>3/12/2023</a:t>
             </a:fld>
             <a:endParaRPr lang="en-US"/>
           </a:p>
@@ -2944,7 +2947,7 @@
           <a:p>
             <a:fld id="{CEE5B302-F809-4B5B-A910-C95D7EA268A8}" type="datetimeFigureOut">
               <a:rPr lang="en-US" smtClean="0"/>
-              <a:t>30/11/2023</a:t>
+              <a:t>3/12/2023</a:t>
             </a:fld>
             <a:endParaRPr lang="en-US"/>
           </a:p>
@@ -12975,7 +12978,10 @@
           <a:bodyPr/>
           <a:lstStyle/>
           <a:p>
-            <a:endParaRPr lang="en-US" dirty="0"/>
+            <a:r>
+              <a:rPr lang="en-US" dirty="0"/>
+              <a:t>Optimization</a:t>
+            </a:r>
           </a:p>
         </p:txBody>
       </p:sp>
@@ -13000,7 +13006,128 @@
           <a:bodyPr/>
           <a:lstStyle/>
           <a:p>
-            <a:endParaRPr lang="en-US" dirty="0"/>
+            <a:r>
+              <a:rPr lang="en-US" dirty="0"/>
+              <a:t>Can apply some optimizations to reduce the number of edges</a:t>
+            </a:r>
+          </a:p>
+          <a:p>
+            <a:r>
+              <a:rPr lang="en-US" dirty="0"/>
+              <a:t>Direct edges having the length equal to the sum of two others can be ignored</a:t>
+            </a:r>
+          </a:p>
+          <a:p>
+            <a:r>
+              <a:rPr lang="en-US" dirty="0"/>
+              <a:t>Also combine nodes with the same value (weight = 0)</a:t>
+            </a:r>
+          </a:p>
+        </p:txBody>
+      </p:sp>
+      <p:pic>
+        <p:nvPicPr>
+          <p:cNvPr id="5" name="Picture 4">
+            <a:extLst>
+              <a:ext uri="{FF2B5EF4-FFF2-40B4-BE49-F238E27FC236}">
+                <a16:creationId xmlns:a16="http://schemas.microsoft.com/office/drawing/2014/main" id="{28023FC8-0C84-E06C-5314-024A826E14A8}"/>
+              </a:ext>
+            </a:extLst>
+          </p:cNvPr>
+          <p:cNvPicPr>
+            <a:picLocks noChangeAspect="1"/>
+          </p:cNvPicPr>
+          <p:nvPr/>
+        </p:nvPicPr>
+        <p:blipFill>
+          <a:blip r:embed="rId2"/>
+          <a:stretch>
+            <a:fillRect/>
+          </a:stretch>
+        </p:blipFill>
+        <p:spPr>
+          <a:xfrm>
+            <a:off x="2263139" y="3845041"/>
+            <a:ext cx="2430991" cy="2331922"/>
+          </a:xfrm>
+          <a:prstGeom prst="rect">
+            <a:avLst/>
+          </a:prstGeom>
+        </p:spPr>
+      </p:pic>
+      <p:pic>
+        <p:nvPicPr>
+          <p:cNvPr id="7" name="Picture 6">
+            <a:extLst>
+              <a:ext uri="{FF2B5EF4-FFF2-40B4-BE49-F238E27FC236}">
+                <a16:creationId xmlns:a16="http://schemas.microsoft.com/office/drawing/2014/main" id="{7F2BBDBA-024E-FF0D-93F2-1916A8A00C70}"/>
+              </a:ext>
+            </a:extLst>
+          </p:cNvPr>
+          <p:cNvPicPr>
+            <a:picLocks noChangeAspect="1"/>
+          </p:cNvPicPr>
+          <p:nvPr/>
+        </p:nvPicPr>
+        <p:blipFill>
+          <a:blip r:embed="rId3"/>
+          <a:stretch>
+            <a:fillRect/>
+          </a:stretch>
+        </p:blipFill>
+        <p:spPr>
+          <a:xfrm>
+            <a:off x="6740587" y="3845041"/>
+            <a:ext cx="2469094" cy="2034716"/>
+          </a:xfrm>
+          <a:prstGeom prst="rect">
+            <a:avLst/>
+          </a:prstGeom>
+        </p:spPr>
+      </p:pic>
+      <p:sp>
+        <p:nvSpPr>
+          <p:cNvPr id="8" name="Arrow: Right 7">
+            <a:extLst>
+              <a:ext uri="{FF2B5EF4-FFF2-40B4-BE49-F238E27FC236}">
+                <a16:creationId xmlns:a16="http://schemas.microsoft.com/office/drawing/2014/main" id="{CD1AD4D6-81BA-7DA4-F44D-5EC1BC103070}"/>
+              </a:ext>
+            </a:extLst>
+          </p:cNvPr>
+          <p:cNvSpPr/>
+          <p:nvPr/>
+        </p:nvSpPr>
+        <p:spPr>
+          <a:xfrm>
+            <a:off x="4974672" y="4308533"/>
+            <a:ext cx="1526796" cy="964734"/>
+          </a:xfrm>
+          <a:prstGeom prst="rightArrow">
+            <a:avLst/>
+          </a:prstGeom>
+        </p:spPr>
+        <p:style>
+          <a:lnRef idx="2">
+            <a:schemeClr val="accent1">
+              <a:shade val="15000"/>
+            </a:schemeClr>
+          </a:lnRef>
+          <a:fillRef idx="1">
+            <a:schemeClr val="accent1"/>
+          </a:fillRef>
+          <a:effectRef idx="0">
+            <a:schemeClr val="accent1"/>
+          </a:effectRef>
+          <a:fontRef idx="minor">
+            <a:schemeClr val="lt1"/>
+          </a:fontRef>
+        </p:style>
+        <p:txBody>
+          <a:bodyPr rtlCol="0" anchor="ctr"/>
+          <a:lstStyle/>
+          <a:p>
+            <a:pPr algn="ctr"/>
+            <a:endParaRPr lang="en-US"/>
           </a:p>
         </p:txBody>
       </p:sp>
@@ -13008,6 +13135,454 @@
     <p:extLst>
       <p:ext uri="{BB962C8B-B14F-4D97-AF65-F5344CB8AC3E}">
         <p14:creationId xmlns:p14="http://schemas.microsoft.com/office/powerpoint/2010/main" val="179100207"/>
+      </p:ext>
+    </p:extLst>
+  </p:cSld>
+  <p:clrMapOvr>
+    <a:masterClrMapping/>
+  </p:clrMapOvr>
+</p:sld>
+</file>
+
+<file path=ppt/slides/slide37.xml><?xml version="1.0" encoding="utf-8"?>
+<p:sld xmlns:a="http://schemas.openxmlformats.org/drawingml/2006/main" xmlns:r="http://schemas.openxmlformats.org/officeDocument/2006/relationships" xmlns:p="http://schemas.openxmlformats.org/presentationml/2006/main">
+  <p:cSld>
+    <p:spTree>
+      <p:nvGrpSpPr>
+        <p:cNvPr id="1" name=""/>
+        <p:cNvGrpSpPr/>
+        <p:nvPr/>
+      </p:nvGrpSpPr>
+      <p:grpSpPr>
+        <a:xfrm>
+          <a:off x="0" y="0"/>
+          <a:ext cx="0" cy="0"/>
+          <a:chOff x="0" y="0"/>
+          <a:chExt cx="0" cy="0"/>
+        </a:xfrm>
+      </p:grpSpPr>
+      <p:sp>
+        <p:nvSpPr>
+          <p:cNvPr id="2" name="Title 1">
+            <a:extLst>
+              <a:ext uri="{FF2B5EF4-FFF2-40B4-BE49-F238E27FC236}">
+                <a16:creationId xmlns:a16="http://schemas.microsoft.com/office/drawing/2014/main" id="{F5B89183-85F7-0746-93DC-B9771937C8F0}"/>
+              </a:ext>
+            </a:extLst>
+          </p:cNvPr>
+          <p:cNvSpPr>
+            <a:spLocks noGrp="1"/>
+          </p:cNvSpPr>
+          <p:nvPr>
+            <p:ph type="title"/>
+          </p:nvPr>
+        </p:nvSpPr>
+        <p:spPr/>
+        <p:txBody>
+          <a:bodyPr/>
+          <a:lstStyle/>
+          <a:p>
+            <a:r>
+              <a:rPr lang="en-US" dirty="0"/>
+              <a:t>Optimization</a:t>
+            </a:r>
+          </a:p>
+        </p:txBody>
+      </p:sp>
+      <mc:AlternateContent xmlns:mc="http://schemas.openxmlformats.org/markup-compatibility/2006">
+        <mc:Choice xmlns:a14="http://schemas.microsoft.com/office/drawing/2010/main" Requires="a14">
+          <p:sp>
+            <p:nvSpPr>
+              <p:cNvPr id="3" name="Content Placeholder 2">
+                <a:extLst>
+                  <a:ext uri="{FF2B5EF4-FFF2-40B4-BE49-F238E27FC236}">
+                    <a16:creationId xmlns:a16="http://schemas.microsoft.com/office/drawing/2014/main" id="{9BDCAAEE-C419-6C9B-21DA-FC699D155A34}"/>
+                  </a:ext>
+                </a:extLst>
+              </p:cNvPr>
+              <p:cNvSpPr>
+                <a:spLocks noGrp="1"/>
+              </p:cNvSpPr>
+              <p:nvPr>
+                <p:ph idx="1"/>
+              </p:nvPr>
+            </p:nvSpPr>
+            <p:spPr/>
+            <p:txBody>
+              <a:bodyPr/>
+              <a:lstStyle/>
+              <a:p>
+                <a:r>
+                  <a:rPr lang="en-US" dirty="0"/>
+                  <a:t>Effectiveness:</a:t>
+                </a:r>
+              </a:p>
+              <a:p>
+                <a:pPr lvl="1"/>
+                <a14:m>
+                  <m:oMath xmlns:m="http://schemas.openxmlformats.org/officeDocument/2006/math">
+                    <m:r>
+                      <a:rPr lang="en-US" b="0" i="1" smtClean="0">
+                        <a:latin typeface="Cambria Math" panose="02040503050406030204" pitchFamily="18" charset="0"/>
+                      </a:rPr>
+                      <m:t>≈40%</m:t>
+                    </m:r>
+                  </m:oMath>
+                </a14:m>
+                <a:r>
+                  <a:rPr lang="en-US" dirty="0"/>
+                  <a:t> of the edges removed in the MP tree construction problem</a:t>
+                </a:r>
+              </a:p>
+              <a:p>
+                <a:pPr lvl="1"/>
+                <a:r>
+                  <a:rPr lang="en-US" dirty="0"/>
+                  <a:t>Increased the solvable size of the problem from </a:t>
+                </a:r>
+                <a14:m>
+                  <m:oMath xmlns:m="http://schemas.openxmlformats.org/officeDocument/2006/math">
+                    <m:r>
+                      <a:rPr lang="en-US" b="0" i="1" smtClean="0">
+                        <a:latin typeface="Cambria Math" panose="02040503050406030204" pitchFamily="18" charset="0"/>
+                      </a:rPr>
+                      <m:t>5</m:t>
+                    </m:r>
+                  </m:oMath>
+                </a14:m>
+                <a:r>
+                  <a:rPr lang="en-US" dirty="0"/>
+                  <a:t> of the complete graph to </a:t>
+                </a:r>
+                <a14:m>
+                  <m:oMath xmlns:m="http://schemas.openxmlformats.org/officeDocument/2006/math">
+                    <m:r>
+                      <a:rPr lang="en-US" b="0" i="1" smtClean="0">
+                        <a:latin typeface="Cambria Math" panose="02040503050406030204" pitchFamily="18" charset="0"/>
+                      </a:rPr>
+                      <m:t>6</m:t>
+                    </m:r>
+                  </m:oMath>
+                </a14:m>
+                <a:r>
+                  <a:rPr lang="en-US" dirty="0"/>
+                  <a:t> terminals</a:t>
+                </a:r>
+              </a:p>
+              <a:p>
+                <a:r>
+                  <a:rPr lang="en-US" dirty="0"/>
+                  <a:t>Result can be augmented by changing the multiply factor (</a:t>
+                </a:r>
+                <a14:m>
+                  <m:oMath xmlns:m="http://schemas.openxmlformats.org/officeDocument/2006/math">
+                    <m:r>
+                      <a:rPr lang="en-US" b="0" i="1" smtClean="0">
+                        <a:latin typeface="Cambria Math" panose="02040503050406030204" pitchFamily="18" charset="0"/>
+                      </a:rPr>
+                      <m:t>𝜆</m:t>
+                    </m:r>
+                  </m:oMath>
+                </a14:m>
+                <a:r>
+                  <a:rPr lang="en-US" dirty="0"/>
+                  <a:t>) of constraints</a:t>
+                </a:r>
+              </a:p>
+              <a:p>
+                <a:pPr lvl="1"/>
+                <a:r>
+                  <a:rPr lang="en-US" dirty="0"/>
+                  <a:t>After augmenting, the solution has the probability to construct an accepted Steiner tree of </a:t>
+                </a:r>
+                <a14:m>
+                  <m:oMath xmlns:m="http://schemas.openxmlformats.org/officeDocument/2006/math">
+                    <m:r>
+                      <a:rPr lang="en-US" b="0" i="1" smtClean="0">
+                        <a:latin typeface="Cambria Math" panose="02040503050406030204" pitchFamily="18" charset="0"/>
+                      </a:rPr>
+                      <m:t>1.17%</m:t>
+                    </m:r>
+                  </m:oMath>
+                </a14:m>
+                <a:r>
+                  <a:rPr lang="en-US" dirty="0"/>
+                  <a:t> for 4 terminals and </a:t>
+                </a:r>
+                <a14:m>
+                  <m:oMath xmlns:m="http://schemas.openxmlformats.org/officeDocument/2006/math">
+                    <m:r>
+                      <a:rPr lang="en-US" b="0" i="1" smtClean="0">
+                        <a:latin typeface="Cambria Math" panose="02040503050406030204" pitchFamily="18" charset="0"/>
+                      </a:rPr>
+                      <m:t>0.02%</m:t>
+                    </m:r>
+                  </m:oMath>
+                </a14:m>
+                <a:r>
+                  <a:rPr lang="en-US" dirty="0"/>
+                  <a:t> for 5 terminals.</a:t>
+                </a:r>
+              </a:p>
+            </p:txBody>
+          </p:sp>
+        </mc:Choice>
+        <mc:Fallback>
+          <p:sp>
+            <p:nvSpPr>
+              <p:cNvPr id="3" name="Content Placeholder 2">
+                <a:extLst>
+                  <a:ext uri="{FF2B5EF4-FFF2-40B4-BE49-F238E27FC236}">
+                    <a16:creationId xmlns:a16="http://schemas.microsoft.com/office/drawing/2014/main" id="{9BDCAAEE-C419-6C9B-21DA-FC699D155A34}"/>
+                  </a:ext>
+                </a:extLst>
+              </p:cNvPr>
+              <p:cNvSpPr>
+                <a:spLocks noGrp="1" noRot="1" noChangeAspect="1" noMove="1" noResize="1" noEditPoints="1" noAdjustHandles="1" noChangeArrowheads="1" noChangeShapeType="1" noTextEdit="1"/>
+              </p:cNvSpPr>
+              <p:nvPr>
+                <p:ph idx="1"/>
+              </p:nvPr>
+            </p:nvSpPr>
+            <p:spPr>
+              <a:blipFill>
+                <a:blip r:embed="rId2"/>
+                <a:stretch>
+                  <a:fillRect l="-1043" t="-2241"/>
+                </a:stretch>
+              </a:blipFill>
+            </p:spPr>
+            <p:txBody>
+              <a:bodyPr/>
+              <a:lstStyle/>
+              <a:p>
+                <a:r>
+                  <a:rPr lang="en-US">
+                    <a:noFill/>
+                  </a:rPr>
+                  <a:t> </a:t>
+                </a:r>
+              </a:p>
+            </p:txBody>
+          </p:sp>
+        </mc:Fallback>
+      </mc:AlternateContent>
+    </p:spTree>
+    <p:extLst>
+      <p:ext uri="{BB962C8B-B14F-4D97-AF65-F5344CB8AC3E}">
+        <p14:creationId xmlns:p14="http://schemas.microsoft.com/office/powerpoint/2010/main" val="2382668632"/>
+      </p:ext>
+    </p:extLst>
+  </p:cSld>
+  <p:clrMapOvr>
+    <a:masterClrMapping/>
+  </p:clrMapOvr>
+</p:sld>
+</file>
+
+<file path=ppt/slides/slide38.xml><?xml version="1.0" encoding="utf-8"?>
+<p:sld xmlns:a="http://schemas.openxmlformats.org/drawingml/2006/main" xmlns:r="http://schemas.openxmlformats.org/officeDocument/2006/relationships" xmlns:p="http://schemas.openxmlformats.org/presentationml/2006/main">
+  <p:cSld>
+    <p:spTree>
+      <p:nvGrpSpPr>
+        <p:cNvPr id="1" name=""/>
+        <p:cNvGrpSpPr/>
+        <p:nvPr/>
+      </p:nvGrpSpPr>
+      <p:grpSpPr>
+        <a:xfrm>
+          <a:off x="0" y="0"/>
+          <a:ext cx="0" cy="0"/>
+          <a:chOff x="0" y="0"/>
+          <a:chExt cx="0" cy="0"/>
+        </a:xfrm>
+      </p:grpSpPr>
+      <p:sp>
+        <p:nvSpPr>
+          <p:cNvPr id="2" name="Title 1">
+            <a:extLst>
+              <a:ext uri="{FF2B5EF4-FFF2-40B4-BE49-F238E27FC236}">
+                <a16:creationId xmlns:a16="http://schemas.microsoft.com/office/drawing/2014/main" id="{0A96CF10-F533-B787-F8A6-57201AB8C549}"/>
+              </a:ext>
+            </a:extLst>
+          </p:cNvPr>
+          <p:cNvSpPr>
+            <a:spLocks noGrp="1"/>
+          </p:cNvSpPr>
+          <p:nvPr>
+            <p:ph type="title"/>
+          </p:nvPr>
+        </p:nvSpPr>
+        <p:spPr/>
+        <p:txBody>
+          <a:bodyPr/>
+          <a:lstStyle/>
+          <a:p>
+            <a:r>
+              <a:rPr lang="en-US" dirty="0"/>
+              <a:t>Optimization</a:t>
+            </a:r>
+          </a:p>
+        </p:txBody>
+      </p:sp>
+      <p:sp>
+        <p:nvSpPr>
+          <p:cNvPr id="3" name="Content Placeholder 2">
+            <a:extLst>
+              <a:ext uri="{FF2B5EF4-FFF2-40B4-BE49-F238E27FC236}">
+                <a16:creationId xmlns:a16="http://schemas.microsoft.com/office/drawing/2014/main" id="{638E086B-695B-755F-6129-AFAD0D061666}"/>
+              </a:ext>
+            </a:extLst>
+          </p:cNvPr>
+          <p:cNvSpPr>
+            <a:spLocks noGrp="1"/>
+          </p:cNvSpPr>
+          <p:nvPr>
+            <p:ph idx="1"/>
+          </p:nvPr>
+        </p:nvSpPr>
+        <p:spPr/>
+        <p:txBody>
+          <a:bodyPr/>
+          <a:lstStyle/>
+          <a:p>
+            <a:r>
+              <a:rPr lang="en-US" dirty="0"/>
+              <a:t>Pick the center node among the terminals (i.e. the node having the smallest maximum total distance to others) as the DAG root.</a:t>
+            </a:r>
+          </a:p>
+          <a:p>
+            <a:r>
+              <a:rPr lang="en-US" dirty="0"/>
+              <a:t>Does not reduce the number of edge in most cases.</a:t>
+            </a:r>
+          </a:p>
+          <a:p>
+            <a:r>
+              <a:rPr lang="en-US" dirty="0"/>
+              <a:t>Unsure if increased success chance</a:t>
+            </a:r>
+          </a:p>
+        </p:txBody>
+      </p:sp>
+    </p:spTree>
+    <p:extLst>
+      <p:ext uri="{BB962C8B-B14F-4D97-AF65-F5344CB8AC3E}">
+        <p14:creationId xmlns:p14="http://schemas.microsoft.com/office/powerpoint/2010/main" val="1208922309"/>
+      </p:ext>
+    </p:extLst>
+  </p:cSld>
+  <p:clrMapOvr>
+    <a:masterClrMapping/>
+  </p:clrMapOvr>
+</p:sld>
+</file>
+
+<file path=ppt/slides/slide39.xml><?xml version="1.0" encoding="utf-8"?>
+<p:sld xmlns:a="http://schemas.openxmlformats.org/drawingml/2006/main" xmlns:r="http://schemas.openxmlformats.org/officeDocument/2006/relationships" xmlns:p="http://schemas.openxmlformats.org/presentationml/2006/main">
+  <p:cSld>
+    <p:spTree>
+      <p:nvGrpSpPr>
+        <p:cNvPr id="1" name=""/>
+        <p:cNvGrpSpPr/>
+        <p:nvPr/>
+      </p:nvGrpSpPr>
+      <p:grpSpPr>
+        <a:xfrm>
+          <a:off x="0" y="0"/>
+          <a:ext cx="0" cy="0"/>
+          <a:chOff x="0" y="0"/>
+          <a:chExt cx="0" cy="0"/>
+        </a:xfrm>
+      </p:grpSpPr>
+      <p:sp>
+        <p:nvSpPr>
+          <p:cNvPr id="2" name="Title 1">
+            <a:extLst>
+              <a:ext uri="{FF2B5EF4-FFF2-40B4-BE49-F238E27FC236}">
+                <a16:creationId xmlns:a16="http://schemas.microsoft.com/office/drawing/2014/main" id="{9EEC2E21-CE6A-859A-222F-E793867EB2CC}"/>
+              </a:ext>
+            </a:extLst>
+          </p:cNvPr>
+          <p:cNvSpPr>
+            <a:spLocks noGrp="1"/>
+          </p:cNvSpPr>
+          <p:nvPr>
+            <p:ph type="title"/>
+          </p:nvPr>
+        </p:nvSpPr>
+        <p:spPr/>
+        <p:txBody>
+          <a:bodyPr/>
+          <a:lstStyle/>
+          <a:p>
+            <a:r>
+              <a:rPr lang="en-US" dirty="0"/>
+              <a:t>Optimization</a:t>
+            </a:r>
+          </a:p>
+        </p:txBody>
+      </p:sp>
+      <p:sp>
+        <p:nvSpPr>
+          <p:cNvPr id="3" name="Content Placeholder 2">
+            <a:extLst>
+              <a:ext uri="{FF2B5EF4-FFF2-40B4-BE49-F238E27FC236}">
+                <a16:creationId xmlns:a16="http://schemas.microsoft.com/office/drawing/2014/main" id="{61046329-7837-ADB3-AA2C-A5D9300B77B6}"/>
+              </a:ext>
+            </a:extLst>
+          </p:cNvPr>
+          <p:cNvSpPr>
+            <a:spLocks noGrp="1"/>
+          </p:cNvSpPr>
+          <p:nvPr>
+            <p:ph idx="1"/>
+          </p:nvPr>
+        </p:nvSpPr>
+        <p:spPr/>
+        <p:txBody>
+          <a:bodyPr/>
+          <a:lstStyle/>
+          <a:p>
+            <a:pPr marL="0" indent="0">
+              <a:buNone/>
+            </a:pPr>
+            <a:r>
+              <a:rPr lang="en-US" dirty="0"/>
+              <a:t>Other optimizations:</a:t>
+            </a:r>
+          </a:p>
+          <a:p>
+            <a:r>
+              <a:rPr lang="en-US" dirty="0"/>
+              <a:t>Add a constraint that terminals should not have any edge leaving them</a:t>
+            </a:r>
+          </a:p>
+          <a:p>
+            <a:pPr lvl="1"/>
+            <a:r>
+              <a:rPr lang="en-US" dirty="0"/>
+              <a:t>Only available if terminals are not combined</a:t>
+            </a:r>
+          </a:p>
+          <a:p>
+            <a:pPr lvl="1"/>
+            <a:r>
+              <a:rPr lang="en-US" dirty="0"/>
+              <a:t>Will refine Steiner tree </a:t>
+            </a:r>
+            <a:r>
+              <a:rPr lang="en-US"/>
+              <a:t>creation rate</a:t>
+            </a:r>
+            <a:endParaRPr lang="en-US" dirty="0"/>
+          </a:p>
+        </p:txBody>
+      </p:sp>
+    </p:spTree>
+    <p:extLst>
+      <p:ext uri="{BB962C8B-B14F-4D97-AF65-F5344CB8AC3E}">
+        <p14:creationId xmlns:p14="http://schemas.microsoft.com/office/powerpoint/2010/main" val="1212062557"/>
       </p:ext>
     </p:extLst>
   </p:cSld>

--- a/Solving General Steiner Tree Problem Using Quantum Annealing.pptx
+++ b/Solving General Steiner Tree Problem Using Quantum Annealing.pptx
@@ -44,6 +44,9 @@
     <p:sldId id="292" r:id="rId38"/>
     <p:sldId id="293" r:id="rId39"/>
     <p:sldId id="294" r:id="rId40"/>
+    <p:sldId id="295" r:id="rId41"/>
+    <p:sldId id="297" r:id="rId42"/>
+    <p:sldId id="296" r:id="rId43"/>
   </p:sldIdLst>
   <p:sldSz cx="12192000" cy="6858000"/>
   <p:notesSz cx="6858000" cy="9144000"/>
@@ -297,7 +300,7 @@
           <a:p>
             <a:fld id="{CEE5B302-F809-4B5B-A910-C95D7EA268A8}" type="datetimeFigureOut">
               <a:rPr lang="en-US" smtClean="0"/>
-              <a:t>3/12/2023</a:t>
+              <a:t>15/1/2024</a:t>
             </a:fld>
             <a:endParaRPr lang="en-US"/>
           </a:p>
@@ -495,7 +498,7 @@
           <a:p>
             <a:fld id="{CEE5B302-F809-4B5B-A910-C95D7EA268A8}" type="datetimeFigureOut">
               <a:rPr lang="en-US" smtClean="0"/>
-              <a:t>3/12/2023</a:t>
+              <a:t>15/1/2024</a:t>
             </a:fld>
             <a:endParaRPr lang="en-US"/>
           </a:p>
@@ -703,7 +706,7 @@
           <a:p>
             <a:fld id="{CEE5B302-F809-4B5B-A910-C95D7EA268A8}" type="datetimeFigureOut">
               <a:rPr lang="en-US" smtClean="0"/>
-              <a:t>3/12/2023</a:t>
+              <a:t>15/1/2024</a:t>
             </a:fld>
             <a:endParaRPr lang="en-US"/>
           </a:p>
@@ -901,7 +904,7 @@
           <a:p>
             <a:fld id="{CEE5B302-F809-4B5B-A910-C95D7EA268A8}" type="datetimeFigureOut">
               <a:rPr lang="en-US" smtClean="0"/>
-              <a:t>3/12/2023</a:t>
+              <a:t>15/1/2024</a:t>
             </a:fld>
             <a:endParaRPr lang="en-US"/>
           </a:p>
@@ -1176,7 +1179,7 @@
           <a:p>
             <a:fld id="{CEE5B302-F809-4B5B-A910-C95D7EA268A8}" type="datetimeFigureOut">
               <a:rPr lang="en-US" smtClean="0"/>
-              <a:t>3/12/2023</a:t>
+              <a:t>15/1/2024</a:t>
             </a:fld>
             <a:endParaRPr lang="en-US"/>
           </a:p>
@@ -1441,7 +1444,7 @@
           <a:p>
             <a:fld id="{CEE5B302-F809-4B5B-A910-C95D7EA268A8}" type="datetimeFigureOut">
               <a:rPr lang="en-US" smtClean="0"/>
-              <a:t>3/12/2023</a:t>
+              <a:t>15/1/2024</a:t>
             </a:fld>
             <a:endParaRPr lang="en-US"/>
           </a:p>
@@ -1853,7 +1856,7 @@
           <a:p>
             <a:fld id="{CEE5B302-F809-4B5B-A910-C95D7EA268A8}" type="datetimeFigureOut">
               <a:rPr lang="en-US" smtClean="0"/>
-              <a:t>3/12/2023</a:t>
+              <a:t>15/1/2024</a:t>
             </a:fld>
             <a:endParaRPr lang="en-US"/>
           </a:p>
@@ -1994,7 +1997,7 @@
           <a:p>
             <a:fld id="{CEE5B302-F809-4B5B-A910-C95D7EA268A8}" type="datetimeFigureOut">
               <a:rPr lang="en-US" smtClean="0"/>
-              <a:t>3/12/2023</a:t>
+              <a:t>15/1/2024</a:t>
             </a:fld>
             <a:endParaRPr lang="en-US"/>
           </a:p>
@@ -2107,7 +2110,7 @@
           <a:p>
             <a:fld id="{CEE5B302-F809-4B5B-A910-C95D7EA268A8}" type="datetimeFigureOut">
               <a:rPr lang="en-US" smtClean="0"/>
-              <a:t>3/12/2023</a:t>
+              <a:t>15/1/2024</a:t>
             </a:fld>
             <a:endParaRPr lang="en-US"/>
           </a:p>
@@ -2418,7 +2421,7 @@
           <a:p>
             <a:fld id="{CEE5B302-F809-4B5B-A910-C95D7EA268A8}" type="datetimeFigureOut">
               <a:rPr lang="en-US" smtClean="0"/>
-              <a:t>3/12/2023</a:t>
+              <a:t>15/1/2024</a:t>
             </a:fld>
             <a:endParaRPr lang="en-US"/>
           </a:p>
@@ -2706,7 +2709,7 @@
           <a:p>
             <a:fld id="{CEE5B302-F809-4B5B-A910-C95D7EA268A8}" type="datetimeFigureOut">
               <a:rPr lang="en-US" smtClean="0"/>
-              <a:t>3/12/2023</a:t>
+              <a:t>15/1/2024</a:t>
             </a:fld>
             <a:endParaRPr lang="en-US"/>
           </a:p>
@@ -2947,7 +2950,7 @@
           <a:p>
             <a:fld id="{CEE5B302-F809-4B5B-A910-C95D7EA268A8}" type="datetimeFigureOut">
               <a:rPr lang="en-US" smtClean="0"/>
-              <a:t>3/12/2023</a:t>
+              <a:t>15/1/2024</a:t>
             </a:fld>
             <a:endParaRPr lang="en-US"/>
           </a:p>
@@ -13189,8 +13192,8 @@
           </a:p>
         </p:txBody>
       </p:sp>
-      <mc:AlternateContent xmlns:mc="http://schemas.openxmlformats.org/markup-compatibility/2006">
-        <mc:Choice xmlns:a14="http://schemas.microsoft.com/office/drawing/2010/main" Requires="a14">
+      <mc:AlternateContent xmlns:mc="http://schemas.openxmlformats.org/markup-compatibility/2006" xmlns:a14="http://schemas.microsoft.com/office/drawing/2010/main">
+        <mc:Choice Requires="a14">
           <p:sp>
             <p:nvSpPr>
               <p:cNvPr id="3" name="Content Placeholder 2">
@@ -13327,7 +13330,7 @@
             </p:txBody>
           </p:sp>
         </mc:Choice>
-        <mc:Fallback>
+        <mc:Fallback xmlns="">
           <p:sp>
             <p:nvSpPr>
               <p:cNvPr id="3" name="Content Placeholder 2">
@@ -14427,6 +14430,1480 @@
     <p:extLst>
       <p:ext uri="{BB962C8B-B14F-4D97-AF65-F5344CB8AC3E}">
         <p14:creationId xmlns:p14="http://schemas.microsoft.com/office/powerpoint/2010/main" val="1401913172"/>
+      </p:ext>
+    </p:extLst>
+  </p:cSld>
+  <p:clrMapOvr>
+    <a:masterClrMapping/>
+  </p:clrMapOvr>
+</p:sld>
+</file>
+
+<file path=ppt/slides/slide40.xml><?xml version="1.0" encoding="utf-8"?>
+<p:sld xmlns:a="http://schemas.openxmlformats.org/drawingml/2006/main" xmlns:r="http://schemas.openxmlformats.org/officeDocument/2006/relationships" xmlns:p="http://schemas.openxmlformats.org/presentationml/2006/main">
+  <p:cSld>
+    <p:spTree>
+      <p:nvGrpSpPr>
+        <p:cNvPr id="1" name=""/>
+        <p:cNvGrpSpPr/>
+        <p:nvPr/>
+      </p:nvGrpSpPr>
+      <p:grpSpPr>
+        <a:xfrm>
+          <a:off x="0" y="0"/>
+          <a:ext cx="0" cy="0"/>
+          <a:chOff x="0" y="0"/>
+          <a:chExt cx="0" cy="0"/>
+        </a:xfrm>
+      </p:grpSpPr>
+      <p:sp>
+        <p:nvSpPr>
+          <p:cNvPr id="2" name="Title 1">
+            <a:extLst>
+              <a:ext uri="{FF2B5EF4-FFF2-40B4-BE49-F238E27FC236}">
+                <a16:creationId xmlns:a16="http://schemas.microsoft.com/office/drawing/2014/main" id="{229B4FBD-7A4C-89FA-B82E-9D7ACAB417BF}"/>
+              </a:ext>
+            </a:extLst>
+          </p:cNvPr>
+          <p:cNvSpPr>
+            <a:spLocks noGrp="1"/>
+          </p:cNvSpPr>
+          <p:nvPr>
+            <p:ph type="title"/>
+          </p:nvPr>
+        </p:nvSpPr>
+        <p:spPr/>
+        <p:txBody>
+          <a:bodyPr/>
+          <a:lstStyle/>
+          <a:p>
+            <a:r>
+              <a:rPr lang="en-US" dirty="0"/>
+              <a:t>Change of variables</a:t>
+            </a:r>
+          </a:p>
+        </p:txBody>
+      </p:sp>
+      <mc:AlternateContent xmlns:mc="http://schemas.openxmlformats.org/markup-compatibility/2006">
+        <mc:Choice xmlns:a14="http://schemas.microsoft.com/office/drawing/2010/main" Requires="a14">
+          <p:sp>
+            <p:nvSpPr>
+              <p:cNvPr id="3" name="Content Placeholder 2">
+                <a:extLst>
+                  <a:ext uri="{FF2B5EF4-FFF2-40B4-BE49-F238E27FC236}">
+                    <a16:creationId xmlns:a16="http://schemas.microsoft.com/office/drawing/2014/main" id="{962CF852-07E8-4DD6-E29A-5B0715A3FF42}"/>
+                  </a:ext>
+                </a:extLst>
+              </p:cNvPr>
+              <p:cNvSpPr>
+                <a:spLocks noGrp="1"/>
+              </p:cNvSpPr>
+              <p:nvPr>
+                <p:ph idx="1"/>
+              </p:nvPr>
+            </p:nvSpPr>
+            <p:spPr/>
+            <p:txBody>
+              <a:bodyPr/>
+              <a:lstStyle/>
+              <a:p>
+                <a:pPr marL="0" indent="0">
+                  <a:buNone/>
+                </a:pPr>
+                <a14:m>
+                  <m:oMathPara xmlns:m="http://schemas.openxmlformats.org/officeDocument/2006/math">
+                    <m:oMathParaPr>
+                      <m:jc m:val="centerGroup"/>
+                    </m:oMathParaPr>
+                    <m:oMath xmlns:m="http://schemas.openxmlformats.org/officeDocument/2006/math">
+                      <m:sSub>
+                        <m:sSubPr>
+                          <m:ctrlPr>
+                            <a:rPr lang="en-US" b="0" i="1" smtClean="0">
+                              <a:latin typeface="Cambria Math" panose="02040503050406030204" pitchFamily="18" charset="0"/>
+                            </a:rPr>
+                          </m:ctrlPr>
+                        </m:sSubPr>
+                        <m:e>
+                          <m:r>
+                            <a:rPr lang="en-US" b="0" i="1" smtClean="0">
+                              <a:latin typeface="Cambria Math" panose="02040503050406030204" pitchFamily="18" charset="0"/>
+                            </a:rPr>
+                            <m:t>𝐻</m:t>
+                          </m:r>
+                        </m:e>
+                        <m:sub>
+                          <m:r>
+                            <a:rPr lang="en-US" b="0" i="1" smtClean="0">
+                              <a:latin typeface="Cambria Math" panose="02040503050406030204" pitchFamily="18" charset="0"/>
+                            </a:rPr>
+                            <m:t>3</m:t>
+                          </m:r>
+                        </m:sub>
+                      </m:sSub>
+                      <m:r>
+                        <a:rPr lang="en-US" b="0" i="1" smtClean="0">
+                          <a:latin typeface="Cambria Math" panose="02040503050406030204" pitchFamily="18" charset="0"/>
+                        </a:rPr>
+                        <m:t>=</m:t>
+                      </m:r>
+                      <m:nary>
+                        <m:naryPr>
+                          <m:chr m:val="∑"/>
+                          <m:supHide m:val="on"/>
+                          <m:ctrlPr>
+                            <a:rPr lang="en-US" i="1" smtClean="0">
+                              <a:latin typeface="Cambria Math" panose="02040503050406030204" pitchFamily="18" charset="0"/>
+                            </a:rPr>
+                          </m:ctrlPr>
+                        </m:naryPr>
+                        <m:sub>
+                          <m:r>
+                            <a:rPr lang="en-US" i="1">
+                              <a:latin typeface="Cambria Math" panose="02040503050406030204" pitchFamily="18" charset="0"/>
+                            </a:rPr>
+                            <m:t>𝑣</m:t>
+                          </m:r>
+                          <m:r>
+                            <a:rPr lang="en-US" i="1">
+                              <a:latin typeface="Cambria Math" panose="02040503050406030204" pitchFamily="18" charset="0"/>
+                            </a:rPr>
+                            <m:t>∈</m:t>
+                          </m:r>
+                          <m:r>
+                            <a:rPr lang="en-US" i="1">
+                              <a:latin typeface="Cambria Math" panose="02040503050406030204" pitchFamily="18" charset="0"/>
+                            </a:rPr>
+                            <m:t>𝑈</m:t>
+                          </m:r>
+                          <m:r>
+                            <a:rPr lang="en-US" i="1">
+                              <a:latin typeface="Cambria Math" panose="02040503050406030204" pitchFamily="18" charset="0"/>
+                            </a:rPr>
+                            <m:t>\</m:t>
+                          </m:r>
+                          <m:d>
+                            <m:dPr>
+                              <m:begChr m:val="{"/>
+                              <m:endChr m:val="}"/>
+                              <m:ctrlPr>
+                                <a:rPr lang="en-US" i="1">
+                                  <a:latin typeface="Cambria Math" panose="02040503050406030204" pitchFamily="18" charset="0"/>
+                                </a:rPr>
+                              </m:ctrlPr>
+                            </m:dPr>
+                            <m:e>
+                              <m:sSub>
+                                <m:sSubPr>
+                                  <m:ctrlPr>
+                                    <a:rPr lang="en-US" i="1">
+                                      <a:latin typeface="Cambria Math" panose="02040503050406030204" pitchFamily="18" charset="0"/>
+                                    </a:rPr>
+                                  </m:ctrlPr>
+                                </m:sSubPr>
+                                <m:e>
+                                  <m:r>
+                                    <a:rPr lang="en-US" i="1">
+                                      <a:latin typeface="Cambria Math" panose="02040503050406030204" pitchFamily="18" charset="0"/>
+                                    </a:rPr>
+                                    <m:t>𝑣</m:t>
+                                  </m:r>
+                                </m:e>
+                                <m:sub>
+                                  <m:r>
+                                    <a:rPr lang="en-US" i="1">
+                                      <a:latin typeface="Cambria Math" panose="02040503050406030204" pitchFamily="18" charset="0"/>
+                                    </a:rPr>
+                                    <m:t>0</m:t>
+                                  </m:r>
+                                </m:sub>
+                              </m:sSub>
+                            </m:e>
+                          </m:d>
+                        </m:sub>
+                        <m:sup/>
+                        <m:e>
+                          <m:sSup>
+                            <m:sSupPr>
+                              <m:ctrlPr>
+                                <a:rPr lang="en-US" i="1">
+                                  <a:latin typeface="Cambria Math" panose="02040503050406030204" pitchFamily="18" charset="0"/>
+                                </a:rPr>
+                              </m:ctrlPr>
+                            </m:sSupPr>
+                            <m:e>
+                              <m:d>
+                                <m:dPr>
+                                  <m:ctrlPr>
+                                    <a:rPr lang="en-US" i="1">
+                                      <a:latin typeface="Cambria Math" panose="02040503050406030204" pitchFamily="18" charset="0"/>
+                                    </a:rPr>
+                                  </m:ctrlPr>
+                                </m:dPr>
+                                <m:e>
+                                  <m:r>
+                                    <a:rPr lang="en-US" i="1">
+                                      <a:latin typeface="Cambria Math" panose="02040503050406030204" pitchFamily="18" charset="0"/>
+                                    </a:rPr>
+                                    <m:t>1−</m:t>
+                                  </m:r>
+                                  <m:nary>
+                                    <m:naryPr>
+                                      <m:chr m:val="∑"/>
+                                      <m:supHide m:val="on"/>
+                                      <m:ctrlPr>
+                                        <a:rPr lang="en-US" i="1">
+                                          <a:latin typeface="Cambria Math" panose="02040503050406030204" pitchFamily="18" charset="0"/>
+                                        </a:rPr>
+                                      </m:ctrlPr>
+                                    </m:naryPr>
+                                    <m:sub>
+                                      <m:d>
+                                        <m:dPr>
+                                          <m:ctrlPr>
+                                            <a:rPr lang="en-US" i="1">
+                                              <a:latin typeface="Cambria Math" panose="02040503050406030204" pitchFamily="18" charset="0"/>
+                                            </a:rPr>
+                                          </m:ctrlPr>
+                                        </m:dPr>
+                                        <m:e>
+                                          <m:r>
+                                            <a:rPr lang="en-US" i="1">
+                                              <a:latin typeface="Cambria Math" panose="02040503050406030204" pitchFamily="18" charset="0"/>
+                                            </a:rPr>
+                                            <m:t>𝑢</m:t>
+                                          </m:r>
+                                          <m:r>
+                                            <a:rPr lang="en-US" i="1">
+                                              <a:latin typeface="Cambria Math" panose="02040503050406030204" pitchFamily="18" charset="0"/>
+                                            </a:rPr>
+                                            <m:t>,</m:t>
+                                          </m:r>
+                                          <m:r>
+                                            <a:rPr lang="en-US" i="1">
+                                              <a:latin typeface="Cambria Math" panose="02040503050406030204" pitchFamily="18" charset="0"/>
+                                            </a:rPr>
+                                            <m:t>𝑣</m:t>
+                                          </m:r>
+                                        </m:e>
+                                      </m:d>
+                                      <m:r>
+                                        <a:rPr lang="en-US" i="1">
+                                          <a:latin typeface="Cambria Math" panose="02040503050406030204" pitchFamily="18" charset="0"/>
+                                        </a:rPr>
+                                        <m:t>∈</m:t>
+                                      </m:r>
+                                      <m:r>
+                                        <a:rPr lang="en-US" i="1">
+                                          <a:latin typeface="Cambria Math" panose="02040503050406030204" pitchFamily="18" charset="0"/>
+                                        </a:rPr>
+                                        <m:t>𝐸</m:t>
+                                      </m:r>
+                                    </m:sub>
+                                    <m:sup/>
+                                    <m:e>
+                                      <m:sSub>
+                                        <m:sSubPr>
+                                          <m:ctrlPr>
+                                            <a:rPr lang="en-US" i="1">
+                                              <a:latin typeface="Cambria Math" panose="02040503050406030204" pitchFamily="18" charset="0"/>
+                                            </a:rPr>
+                                          </m:ctrlPr>
+                                        </m:sSubPr>
+                                        <m:e>
+                                          <m:r>
+                                            <a:rPr lang="en-US" i="1">
+                                              <a:latin typeface="Cambria Math" panose="02040503050406030204" pitchFamily="18" charset="0"/>
+                                            </a:rPr>
+                                            <m:t>𝑒</m:t>
+                                          </m:r>
+                                        </m:e>
+                                        <m:sub>
+                                          <m:r>
+                                            <a:rPr lang="en-US" i="1">
+                                              <a:latin typeface="Cambria Math" panose="02040503050406030204" pitchFamily="18" charset="0"/>
+                                            </a:rPr>
+                                            <m:t>𝑢</m:t>
+                                          </m:r>
+                                          <m:r>
+                                            <a:rPr lang="en-US" i="1">
+                                              <a:latin typeface="Cambria Math" panose="02040503050406030204" pitchFamily="18" charset="0"/>
+                                            </a:rPr>
+                                            <m:t>,</m:t>
+                                          </m:r>
+                                          <m:r>
+                                            <a:rPr lang="en-US" i="1">
+                                              <a:latin typeface="Cambria Math" panose="02040503050406030204" pitchFamily="18" charset="0"/>
+                                            </a:rPr>
+                                            <m:t>𝑣</m:t>
+                                          </m:r>
+                                        </m:sub>
+                                      </m:sSub>
+                                    </m:e>
+                                  </m:nary>
+                                </m:e>
+                              </m:d>
+                            </m:e>
+                            <m:sup>
+                              <m:r>
+                                <a:rPr lang="en-US" i="1">
+                                  <a:latin typeface="Cambria Math" panose="02040503050406030204" pitchFamily="18" charset="0"/>
+                                </a:rPr>
+                                <m:t>2</m:t>
+                              </m:r>
+                            </m:sup>
+                          </m:sSup>
+                        </m:e>
+                      </m:nary>
+                    </m:oMath>
+                  </m:oMathPara>
+                </a14:m>
+                <a:endParaRPr lang="en-US" dirty="0"/>
+              </a:p>
+              <a:p>
+                <a:pPr marL="0" indent="0">
+                  <a:buNone/>
+                </a:pPr>
+                <a14:m>
+                  <m:oMath xmlns:m="http://schemas.openxmlformats.org/officeDocument/2006/math">
+                    <m:sSub>
+                      <m:sSubPr>
+                        <m:ctrlPr>
+                          <a:rPr lang="en-US" b="0" i="1" smtClean="0">
+                            <a:latin typeface="Cambria Math" panose="02040503050406030204" pitchFamily="18" charset="0"/>
+                          </a:rPr>
+                        </m:ctrlPr>
+                      </m:sSubPr>
+                      <m:e>
+                        <m:r>
+                          <a:rPr lang="en-US" b="0" i="1" smtClean="0">
+                            <a:latin typeface="Cambria Math" panose="02040503050406030204" pitchFamily="18" charset="0"/>
+                          </a:rPr>
+                          <m:t>𝑠</m:t>
+                        </m:r>
+                      </m:e>
+                      <m:sub>
+                        <m:r>
+                          <a:rPr lang="en-US" b="0" i="1" smtClean="0">
+                            <a:latin typeface="Cambria Math" panose="02040503050406030204" pitchFamily="18" charset="0"/>
+                          </a:rPr>
+                          <m:t>𝑣𝑖</m:t>
+                        </m:r>
+                      </m:sub>
+                    </m:sSub>
+                  </m:oMath>
+                </a14:m>
+                <a:r>
+                  <a:rPr lang="en-US" dirty="0"/>
+                  <a:t>: Sum of</a:t>
+                </a:r>
+                <a14:m>
+                  <m:oMath xmlns:m="http://schemas.openxmlformats.org/officeDocument/2006/math">
+                    <m:r>
+                      <a:rPr lang="en-US" b="0" i="0" smtClean="0">
+                        <a:latin typeface="Cambria Math" panose="02040503050406030204" pitchFamily="18" charset="0"/>
+                      </a:rPr>
+                      <m:t> </m:t>
+                    </m:r>
+                    <m:r>
+                      <m:rPr>
+                        <m:sty m:val="p"/>
+                      </m:rPr>
+                      <a:rPr lang="en-US" b="0" i="0" smtClean="0">
+                        <a:latin typeface="Cambria Math" panose="02040503050406030204" pitchFamily="18" charset="0"/>
+                      </a:rPr>
+                      <m:t>i</m:t>
+                    </m:r>
+                    <m:r>
+                      <a:rPr lang="en-US" b="0" i="0" smtClean="0">
+                        <a:latin typeface="Cambria Math" panose="02040503050406030204" pitchFamily="18" charset="0"/>
+                      </a:rPr>
+                      <m:t> </m:t>
+                    </m:r>
+                  </m:oMath>
+                </a14:m>
+                <a:r>
+                  <a:rPr lang="en-US" dirty="0"/>
+                  <a:t>first</a:t>
+                </a:r>
+                <a14:m>
+                  <m:oMath xmlns:m="http://schemas.openxmlformats.org/officeDocument/2006/math">
+                    <m:r>
+                      <a:rPr lang="en-US" b="0" i="0" smtClean="0">
+                        <a:latin typeface="Cambria Math" panose="02040503050406030204" pitchFamily="18" charset="0"/>
+                      </a:rPr>
+                      <m:t> </m:t>
+                    </m:r>
+                    <m:sSub>
+                      <m:sSubPr>
+                        <m:ctrlPr>
+                          <a:rPr lang="en-US" b="0" i="1" smtClean="0">
+                            <a:latin typeface="Cambria Math" panose="02040503050406030204" pitchFamily="18" charset="0"/>
+                          </a:rPr>
+                        </m:ctrlPr>
+                      </m:sSubPr>
+                      <m:e>
+                        <m:r>
+                          <a:rPr lang="en-US" b="0" i="1" smtClean="0">
+                            <a:latin typeface="Cambria Math" panose="02040503050406030204" pitchFamily="18" charset="0"/>
+                          </a:rPr>
+                          <m:t>𝑒</m:t>
+                        </m:r>
+                      </m:e>
+                      <m:sub>
+                        <m:r>
+                          <a:rPr lang="en-US" b="0" i="1" smtClean="0">
+                            <a:latin typeface="Cambria Math" panose="02040503050406030204" pitchFamily="18" charset="0"/>
+                          </a:rPr>
+                          <m:t>𝑢𝑣</m:t>
+                        </m:r>
+                      </m:sub>
+                    </m:sSub>
+                  </m:oMath>
+                </a14:m>
+                <a:r>
+                  <a:rPr lang="en-US" dirty="0"/>
+                  <a:t>’s</a:t>
+                </a:r>
+              </a:p>
+              <a:p>
+                <a:pPr marL="0" indent="0">
+                  <a:buNone/>
+                </a:pPr>
+                <a14:m>
+                  <m:oMath xmlns:m="http://schemas.openxmlformats.org/officeDocument/2006/math">
+                    <m:r>
+                      <a:rPr lang="en-US" b="0" i="1" dirty="0" smtClean="0">
+                        <a:latin typeface="Cambria Math" panose="02040503050406030204" pitchFamily="18" charset="0"/>
+                      </a:rPr>
+                      <m:t>∀</m:t>
+                    </m:r>
+                    <m:r>
+                      <a:rPr lang="en-US" b="0" i="1" dirty="0" smtClean="0">
+                        <a:latin typeface="Cambria Math" panose="02040503050406030204" pitchFamily="18" charset="0"/>
+                      </a:rPr>
+                      <m:t>𝑣</m:t>
+                    </m:r>
+                    <m:r>
+                      <a:rPr lang="en-US" b="0" i="1" dirty="0" smtClean="0">
+                        <a:latin typeface="Cambria Math" panose="02040503050406030204" pitchFamily="18" charset="0"/>
+                      </a:rPr>
+                      <m:t>,</m:t>
+                    </m:r>
+                    <m:r>
+                      <a:rPr lang="en-US" b="0" i="1" dirty="0" smtClean="0">
+                        <a:latin typeface="Cambria Math" panose="02040503050406030204" pitchFamily="18" charset="0"/>
+                      </a:rPr>
+                      <m:t>𝑢</m:t>
+                    </m:r>
+                    <m:r>
+                      <a:rPr lang="en-US" i="1">
+                        <a:latin typeface="Cambria Math" panose="02040503050406030204" pitchFamily="18" charset="0"/>
+                      </a:rPr>
+                      <m:t>=</m:t>
+                    </m:r>
+                    <m:r>
+                      <a:rPr lang="en-US" i="1">
+                        <a:latin typeface="Cambria Math" panose="02040503050406030204" pitchFamily="18" charset="0"/>
+                      </a:rPr>
+                      <m:t>𝑣</m:t>
+                    </m:r>
+                    <m:r>
+                      <a:rPr lang="en-US" i="1">
+                        <a:latin typeface="Cambria Math" panose="02040503050406030204" pitchFamily="18" charset="0"/>
+                      </a:rPr>
+                      <m:t>.</m:t>
+                    </m:r>
+                    <m:r>
+                      <a:rPr lang="en-US" i="1">
+                        <a:latin typeface="Cambria Math" panose="02040503050406030204" pitchFamily="18" charset="0"/>
+                      </a:rPr>
+                      <m:t>𝑎𝑑𝑗</m:t>
+                    </m:r>
+                    <m:d>
+                      <m:dPr>
+                        <m:begChr m:val="["/>
+                        <m:endChr m:val="]"/>
+                        <m:ctrlPr>
+                          <a:rPr lang="en-US" i="1">
+                            <a:latin typeface="Cambria Math" panose="02040503050406030204" pitchFamily="18" charset="0"/>
+                          </a:rPr>
+                        </m:ctrlPr>
+                      </m:dPr>
+                      <m:e>
+                        <m:r>
+                          <a:rPr lang="en-US" b="0" i="1" smtClean="0">
+                            <a:latin typeface="Cambria Math" panose="02040503050406030204" pitchFamily="18" charset="0"/>
+                          </a:rPr>
+                          <m:t>𝑖</m:t>
+                        </m:r>
+                      </m:e>
+                    </m:d>
+                    <m:r>
+                      <a:rPr lang="en-US" b="0" i="0" smtClean="0">
+                        <a:latin typeface="Cambria Math" panose="02040503050406030204" pitchFamily="18" charset="0"/>
+                      </a:rPr>
+                      <m:t>, </m:t>
+                    </m:r>
+                    <m:sSub>
+                      <m:sSubPr>
+                        <m:ctrlPr>
+                          <a:rPr lang="en-US" b="0" i="1" dirty="0" smtClean="0">
+                            <a:latin typeface="Cambria Math" panose="02040503050406030204" pitchFamily="18" charset="0"/>
+                          </a:rPr>
+                        </m:ctrlPr>
+                      </m:sSubPr>
+                      <m:e>
+                        <m:r>
+                          <a:rPr lang="en-US" b="0" i="1" dirty="0" smtClean="0">
+                            <a:latin typeface="Cambria Math" panose="02040503050406030204" pitchFamily="18" charset="0"/>
+                          </a:rPr>
+                          <m:t>𝑠</m:t>
+                        </m:r>
+                      </m:e>
+                      <m:sub>
+                        <m:r>
+                          <a:rPr lang="en-US" b="0" i="1" dirty="0" smtClean="0">
+                            <a:latin typeface="Cambria Math" panose="02040503050406030204" pitchFamily="18" charset="0"/>
+                          </a:rPr>
+                          <m:t>𝑣</m:t>
+                        </m:r>
+                        <m:r>
+                          <a:rPr lang="en-US" b="0" i="1" dirty="0" smtClean="0">
+                            <a:latin typeface="Cambria Math" panose="02040503050406030204" pitchFamily="18" charset="0"/>
+                          </a:rPr>
+                          <m:t>,</m:t>
+                        </m:r>
+                        <m:r>
+                          <a:rPr lang="en-US" b="0" i="1" dirty="0" smtClean="0">
+                            <a:latin typeface="Cambria Math" panose="02040503050406030204" pitchFamily="18" charset="0"/>
+                          </a:rPr>
+                          <m:t>𝑖</m:t>
+                        </m:r>
+                      </m:sub>
+                    </m:sSub>
+                    <m:r>
+                      <a:rPr lang="en-US" b="0" i="1" dirty="0" smtClean="0">
+                        <a:latin typeface="Cambria Math" panose="02040503050406030204" pitchFamily="18" charset="0"/>
+                      </a:rPr>
+                      <m:t>=</m:t>
+                    </m:r>
+                    <m:func>
+                      <m:funcPr>
+                        <m:ctrlPr>
+                          <a:rPr lang="en-US" b="0" i="1" dirty="0" smtClean="0">
+                            <a:latin typeface="Cambria Math" panose="02040503050406030204" pitchFamily="18" charset="0"/>
+                          </a:rPr>
+                        </m:ctrlPr>
+                      </m:funcPr>
+                      <m:fName>
+                        <m:r>
+                          <m:rPr>
+                            <m:sty m:val="p"/>
+                          </m:rPr>
+                          <a:rPr lang="en-US" b="0" i="0" dirty="0" smtClean="0">
+                            <a:latin typeface="Cambria Math" panose="02040503050406030204" pitchFamily="18" charset="0"/>
+                          </a:rPr>
+                          <m:t>m</m:t>
+                        </m:r>
+                        <m:r>
+                          <m:rPr>
+                            <m:sty m:val="p"/>
+                          </m:rPr>
+                          <a:rPr lang="en-US" b="0" i="0" dirty="0" smtClean="0">
+                            <a:latin typeface="Cambria Math" panose="02040503050406030204" pitchFamily="18" charset="0"/>
+                          </a:rPr>
+                          <m:t>in</m:t>
+                        </m:r>
+                      </m:fName>
+                      <m:e>
+                        <m:d>
+                          <m:dPr>
+                            <m:ctrlPr>
+                              <a:rPr lang="en-US" b="0" i="1" dirty="0" smtClean="0">
+                                <a:latin typeface="Cambria Math" panose="02040503050406030204" pitchFamily="18" charset="0"/>
+                              </a:rPr>
+                            </m:ctrlPr>
+                          </m:dPr>
+                          <m:e>
+                            <m:r>
+                              <a:rPr lang="en-US" b="0" i="1" dirty="0" smtClean="0">
+                                <a:latin typeface="Cambria Math" panose="02040503050406030204" pitchFamily="18" charset="0"/>
+                              </a:rPr>
+                              <m:t>1,</m:t>
+                            </m:r>
+                            <m:sSub>
+                              <m:sSubPr>
+                                <m:ctrlPr>
+                                  <a:rPr lang="en-US" b="0" i="1" dirty="0" smtClean="0">
+                                    <a:latin typeface="Cambria Math" panose="02040503050406030204" pitchFamily="18" charset="0"/>
+                                  </a:rPr>
+                                </m:ctrlPr>
+                              </m:sSubPr>
+                              <m:e>
+                                <m:r>
+                                  <a:rPr lang="en-US" b="0" i="1" dirty="0" smtClean="0">
+                                    <a:latin typeface="Cambria Math" panose="02040503050406030204" pitchFamily="18" charset="0"/>
+                                  </a:rPr>
+                                  <m:t>𝑠</m:t>
+                                </m:r>
+                              </m:e>
+                              <m:sub>
+                                <m:r>
+                                  <a:rPr lang="en-US" b="0" i="1" dirty="0" smtClean="0">
+                                    <a:latin typeface="Cambria Math" panose="02040503050406030204" pitchFamily="18" charset="0"/>
+                                  </a:rPr>
+                                  <m:t>𝑣</m:t>
+                                </m:r>
+                                <m:r>
+                                  <a:rPr lang="en-US" b="0" i="1" dirty="0" smtClean="0">
+                                    <a:latin typeface="Cambria Math" panose="02040503050406030204" pitchFamily="18" charset="0"/>
+                                  </a:rPr>
+                                  <m:t>,</m:t>
+                                </m:r>
+                                <m:r>
+                                  <a:rPr lang="en-US" b="0" i="1" dirty="0" smtClean="0">
+                                    <a:latin typeface="Cambria Math" panose="02040503050406030204" pitchFamily="18" charset="0"/>
+                                  </a:rPr>
+                                  <m:t>𝑖</m:t>
+                                </m:r>
+                                <m:r>
+                                  <a:rPr lang="en-US" b="0" i="1" dirty="0" smtClean="0">
+                                    <a:latin typeface="Cambria Math" panose="02040503050406030204" pitchFamily="18" charset="0"/>
+                                  </a:rPr>
+                                  <m:t>−1</m:t>
+                                </m:r>
+                              </m:sub>
+                            </m:sSub>
+                            <m:r>
+                              <a:rPr lang="en-US" b="0" i="1" dirty="0" smtClean="0">
+                                <a:latin typeface="Cambria Math" panose="02040503050406030204" pitchFamily="18" charset="0"/>
+                              </a:rPr>
+                              <m:t>+</m:t>
+                            </m:r>
+                            <m:sSub>
+                              <m:sSubPr>
+                                <m:ctrlPr>
+                                  <a:rPr lang="en-US" b="0" i="1" dirty="0" smtClean="0">
+                                    <a:latin typeface="Cambria Math" panose="02040503050406030204" pitchFamily="18" charset="0"/>
+                                  </a:rPr>
+                                </m:ctrlPr>
+                              </m:sSubPr>
+                              <m:e>
+                                <m:r>
+                                  <a:rPr lang="en-US" b="0" i="1" dirty="0" smtClean="0">
+                                    <a:latin typeface="Cambria Math" panose="02040503050406030204" pitchFamily="18" charset="0"/>
+                                  </a:rPr>
+                                  <m:t>𝑒</m:t>
+                                </m:r>
+                              </m:e>
+                              <m:sub>
+                                <m:r>
+                                  <a:rPr lang="en-US" b="0" i="1" dirty="0" smtClean="0">
+                                    <a:latin typeface="Cambria Math" panose="02040503050406030204" pitchFamily="18" charset="0"/>
+                                  </a:rPr>
+                                  <m:t>𝑢</m:t>
+                                </m:r>
+                                <m:r>
+                                  <a:rPr lang="en-US" b="0" i="1" dirty="0" smtClean="0">
+                                    <a:latin typeface="Cambria Math" panose="02040503050406030204" pitchFamily="18" charset="0"/>
+                                  </a:rPr>
+                                  <m:t>, </m:t>
+                                </m:r>
+                                <m:r>
+                                  <a:rPr lang="en-US" b="0" i="1" dirty="0" smtClean="0">
+                                    <a:latin typeface="Cambria Math" panose="02040503050406030204" pitchFamily="18" charset="0"/>
+                                  </a:rPr>
+                                  <m:t>𝑣</m:t>
+                                </m:r>
+                              </m:sub>
+                            </m:sSub>
+                          </m:e>
+                        </m:d>
+                      </m:e>
+                    </m:func>
+                  </m:oMath>
+                </a14:m>
+                <a:r>
+                  <a:rPr lang="en-US" dirty="0"/>
+                  <a:t>: </a:t>
+                </a:r>
+              </a:p>
+              <a:p>
+                <a:pPr marL="0" indent="0" algn="ctr">
+                  <a:buNone/>
+                </a:pPr>
+                <a14:m>
+                  <m:oMathPara xmlns:m="http://schemas.openxmlformats.org/officeDocument/2006/math">
+                    <m:oMathParaPr>
+                      <m:jc m:val="center"/>
+                    </m:oMathParaPr>
+                    <m:oMath xmlns:m="http://schemas.openxmlformats.org/officeDocument/2006/math">
+                      <m:sSubSup>
+                        <m:sSubSupPr>
+                          <m:ctrlPr>
+                            <a:rPr lang="en-US" b="0" i="1" smtClean="0">
+                              <a:latin typeface="Cambria Math" panose="02040503050406030204" pitchFamily="18" charset="0"/>
+                            </a:rPr>
+                          </m:ctrlPr>
+                        </m:sSubSupPr>
+                        <m:e>
+                          <m:r>
+                            <a:rPr lang="en-US" b="0" i="1" smtClean="0">
+                              <a:latin typeface="Cambria Math" panose="02040503050406030204" pitchFamily="18" charset="0"/>
+                            </a:rPr>
+                            <m:t>𝑠</m:t>
+                          </m:r>
+                        </m:e>
+                        <m:sub>
+                          <m:r>
+                            <a:rPr lang="en-US" b="0" i="1" smtClean="0">
+                              <a:latin typeface="Cambria Math" panose="02040503050406030204" pitchFamily="18" charset="0"/>
+                            </a:rPr>
+                            <m:t>𝑣</m:t>
+                          </m:r>
+                          <m:r>
+                            <a:rPr lang="en-US" b="0" i="1" smtClean="0">
+                              <a:latin typeface="Cambria Math" panose="02040503050406030204" pitchFamily="18" charset="0"/>
+                            </a:rPr>
+                            <m:t>,</m:t>
+                          </m:r>
+                          <m:r>
+                            <a:rPr lang="en-US" b="0" i="1" smtClean="0">
+                              <a:latin typeface="Cambria Math" panose="02040503050406030204" pitchFamily="18" charset="0"/>
+                            </a:rPr>
+                            <m:t>𝑖</m:t>
+                          </m:r>
+                          <m:r>
+                            <a:rPr lang="en-US" b="0" i="1" smtClean="0">
+                              <a:latin typeface="Cambria Math" panose="02040503050406030204" pitchFamily="18" charset="0"/>
+                            </a:rPr>
+                            <m:t>−1</m:t>
+                          </m:r>
+                        </m:sub>
+                        <m:sup>
+                          <m:r>
+                            <a:rPr lang="en-US" b="0" i="1" smtClean="0">
+                              <a:latin typeface="Cambria Math" panose="02040503050406030204" pitchFamily="18" charset="0"/>
+                            </a:rPr>
+                            <m:t>2</m:t>
+                          </m:r>
+                        </m:sup>
+                      </m:sSubSup>
+                      <m:r>
+                        <a:rPr lang="en-US" b="0" i="1" smtClean="0">
+                          <a:latin typeface="Cambria Math" panose="02040503050406030204" pitchFamily="18" charset="0"/>
+                        </a:rPr>
+                        <m:t>+</m:t>
+                      </m:r>
+                      <m:sSubSup>
+                        <m:sSubSupPr>
+                          <m:ctrlPr>
+                            <a:rPr lang="en-US" b="0" i="1" smtClean="0">
+                              <a:latin typeface="Cambria Math" panose="02040503050406030204" pitchFamily="18" charset="0"/>
+                            </a:rPr>
+                          </m:ctrlPr>
+                        </m:sSubSupPr>
+                        <m:e>
+                          <m:r>
+                            <a:rPr lang="en-US" b="0" i="1" smtClean="0">
+                              <a:latin typeface="Cambria Math" panose="02040503050406030204" pitchFamily="18" charset="0"/>
+                            </a:rPr>
+                            <m:t>𝑒</m:t>
+                          </m:r>
+                        </m:e>
+                        <m:sub>
+                          <m:r>
+                            <a:rPr lang="en-US" b="0" i="1" smtClean="0">
+                              <a:latin typeface="Cambria Math" panose="02040503050406030204" pitchFamily="18" charset="0"/>
+                            </a:rPr>
+                            <m:t>𝑢</m:t>
+                          </m:r>
+                          <m:r>
+                            <a:rPr lang="en-US" b="0" i="1" smtClean="0">
+                              <a:latin typeface="Cambria Math" panose="02040503050406030204" pitchFamily="18" charset="0"/>
+                            </a:rPr>
+                            <m:t>,</m:t>
+                          </m:r>
+                          <m:r>
+                            <a:rPr lang="en-US" b="0" i="1" smtClean="0">
+                              <a:latin typeface="Cambria Math" panose="02040503050406030204" pitchFamily="18" charset="0"/>
+                            </a:rPr>
+                            <m:t>𝑣</m:t>
+                          </m:r>
+                        </m:sub>
+                        <m:sup>
+                          <m:r>
+                            <a:rPr lang="en-US" b="0" i="1" smtClean="0">
+                              <a:latin typeface="Cambria Math" panose="02040503050406030204" pitchFamily="18" charset="0"/>
+                            </a:rPr>
+                            <m:t>2</m:t>
+                          </m:r>
+                        </m:sup>
+                      </m:sSubSup>
+                      <m:r>
+                        <a:rPr lang="en-US" b="0" i="1" smtClean="0">
+                          <a:latin typeface="Cambria Math" panose="02040503050406030204" pitchFamily="18" charset="0"/>
+                        </a:rPr>
+                        <m:t>+</m:t>
+                      </m:r>
+                      <m:sSubSup>
+                        <m:sSubSupPr>
+                          <m:ctrlPr>
+                            <a:rPr lang="en-US" b="0" i="1" smtClean="0">
+                              <a:latin typeface="Cambria Math" panose="02040503050406030204" pitchFamily="18" charset="0"/>
+                            </a:rPr>
+                          </m:ctrlPr>
+                        </m:sSubSupPr>
+                        <m:e>
+                          <m:r>
+                            <a:rPr lang="en-US" b="0" i="1" smtClean="0">
+                              <a:latin typeface="Cambria Math" panose="02040503050406030204" pitchFamily="18" charset="0"/>
+                            </a:rPr>
+                            <m:t>𝑠</m:t>
+                          </m:r>
+                        </m:e>
+                        <m:sub>
+                          <m:r>
+                            <a:rPr lang="en-US" b="0" i="1" smtClean="0">
+                              <a:latin typeface="Cambria Math" panose="02040503050406030204" pitchFamily="18" charset="0"/>
+                            </a:rPr>
+                            <m:t>𝑣</m:t>
+                          </m:r>
+                          <m:r>
+                            <a:rPr lang="en-US" b="0" i="1" smtClean="0">
+                              <a:latin typeface="Cambria Math" panose="02040503050406030204" pitchFamily="18" charset="0"/>
+                            </a:rPr>
+                            <m:t>,</m:t>
+                          </m:r>
+                          <m:r>
+                            <a:rPr lang="en-US" b="0" i="1" smtClean="0">
+                              <a:latin typeface="Cambria Math" panose="02040503050406030204" pitchFamily="18" charset="0"/>
+                            </a:rPr>
+                            <m:t>𝑖</m:t>
+                          </m:r>
+                        </m:sub>
+                        <m:sup>
+                          <m:r>
+                            <a:rPr lang="en-US" b="0" i="1" smtClean="0">
+                              <a:latin typeface="Cambria Math" panose="02040503050406030204" pitchFamily="18" charset="0"/>
+                            </a:rPr>
+                            <m:t>2</m:t>
+                          </m:r>
+                        </m:sup>
+                      </m:sSubSup>
+                      <m:r>
+                        <a:rPr lang="en-US" b="0" i="1" smtClean="0">
+                          <a:latin typeface="Cambria Math" panose="02040503050406030204" pitchFamily="18" charset="0"/>
+                        </a:rPr>
+                        <m:t>−</m:t>
+                      </m:r>
+                      <m:sSub>
+                        <m:sSubPr>
+                          <m:ctrlPr>
+                            <a:rPr lang="en-US" b="0" i="1" smtClean="0">
+                              <a:latin typeface="Cambria Math" panose="02040503050406030204" pitchFamily="18" charset="0"/>
+                            </a:rPr>
+                          </m:ctrlPr>
+                        </m:sSubPr>
+                        <m:e>
+                          <m:r>
+                            <a:rPr lang="en-US" b="0" i="1" smtClean="0">
+                              <a:latin typeface="Cambria Math" panose="02040503050406030204" pitchFamily="18" charset="0"/>
+                            </a:rPr>
+                            <m:t>𝑠</m:t>
+                          </m:r>
+                        </m:e>
+                        <m:sub>
+                          <m:r>
+                            <a:rPr lang="en-US" b="0" i="1" smtClean="0">
+                              <a:latin typeface="Cambria Math" panose="02040503050406030204" pitchFamily="18" charset="0"/>
+                            </a:rPr>
+                            <m:t>𝑣</m:t>
+                          </m:r>
+                          <m:r>
+                            <a:rPr lang="en-US" b="0" i="1" smtClean="0">
+                              <a:latin typeface="Cambria Math" panose="02040503050406030204" pitchFamily="18" charset="0"/>
+                            </a:rPr>
+                            <m:t>,</m:t>
+                          </m:r>
+                          <m:r>
+                            <a:rPr lang="en-US" b="0" i="1" smtClean="0">
+                              <a:latin typeface="Cambria Math" panose="02040503050406030204" pitchFamily="18" charset="0"/>
+                            </a:rPr>
+                            <m:t>𝑖</m:t>
+                          </m:r>
+                          <m:r>
+                            <a:rPr lang="en-US" b="0" i="1" smtClean="0">
+                              <a:latin typeface="Cambria Math" panose="02040503050406030204" pitchFamily="18" charset="0"/>
+                            </a:rPr>
+                            <m:t>−1</m:t>
+                          </m:r>
+                        </m:sub>
+                      </m:sSub>
+                      <m:sSub>
+                        <m:sSubPr>
+                          <m:ctrlPr>
+                            <a:rPr lang="en-US" b="0" i="1" smtClean="0">
+                              <a:latin typeface="Cambria Math" panose="02040503050406030204" pitchFamily="18" charset="0"/>
+                            </a:rPr>
+                          </m:ctrlPr>
+                        </m:sSubPr>
+                        <m:e>
+                          <m:r>
+                            <a:rPr lang="en-US" b="0" i="1" smtClean="0">
+                              <a:latin typeface="Cambria Math" panose="02040503050406030204" pitchFamily="18" charset="0"/>
+                            </a:rPr>
+                            <m:t>𝑒</m:t>
+                          </m:r>
+                        </m:e>
+                        <m:sub>
+                          <m:r>
+                            <a:rPr lang="en-US" b="0" i="1" smtClean="0">
+                              <a:latin typeface="Cambria Math" panose="02040503050406030204" pitchFamily="18" charset="0"/>
+                            </a:rPr>
+                            <m:t>𝑢</m:t>
+                          </m:r>
+                          <m:r>
+                            <a:rPr lang="en-US" b="0" i="1" smtClean="0">
+                              <a:latin typeface="Cambria Math" panose="02040503050406030204" pitchFamily="18" charset="0"/>
+                            </a:rPr>
+                            <m:t>,</m:t>
+                          </m:r>
+                          <m:r>
+                            <a:rPr lang="en-US" b="0" i="1" smtClean="0">
+                              <a:latin typeface="Cambria Math" panose="02040503050406030204" pitchFamily="18" charset="0"/>
+                            </a:rPr>
+                            <m:t>𝑣</m:t>
+                          </m:r>
+                        </m:sub>
+                      </m:sSub>
+                      <m:r>
+                        <a:rPr lang="en-US" b="0" i="1" smtClean="0">
+                          <a:latin typeface="Cambria Math" panose="02040503050406030204" pitchFamily="18" charset="0"/>
+                        </a:rPr>
+                        <m:t>−2</m:t>
+                      </m:r>
+                      <m:sSub>
+                        <m:sSubPr>
+                          <m:ctrlPr>
+                            <a:rPr lang="en-US" b="0" i="1" smtClean="0">
+                              <a:latin typeface="Cambria Math" panose="02040503050406030204" pitchFamily="18" charset="0"/>
+                            </a:rPr>
+                          </m:ctrlPr>
+                        </m:sSubPr>
+                        <m:e>
+                          <m:r>
+                            <a:rPr lang="en-US" b="0" i="1" smtClean="0">
+                              <a:latin typeface="Cambria Math" panose="02040503050406030204" pitchFamily="18" charset="0"/>
+                            </a:rPr>
+                            <m:t>𝑠</m:t>
+                          </m:r>
+                        </m:e>
+                        <m:sub>
+                          <m:r>
+                            <a:rPr lang="en-US" b="0" i="1" smtClean="0">
+                              <a:latin typeface="Cambria Math" panose="02040503050406030204" pitchFamily="18" charset="0"/>
+                            </a:rPr>
+                            <m:t>𝑖</m:t>
+                          </m:r>
+                        </m:sub>
+                      </m:sSub>
+                      <m:sSub>
+                        <m:sSubPr>
+                          <m:ctrlPr>
+                            <a:rPr lang="en-US" b="0" i="1" smtClean="0">
+                              <a:latin typeface="Cambria Math" panose="02040503050406030204" pitchFamily="18" charset="0"/>
+                            </a:rPr>
+                          </m:ctrlPr>
+                        </m:sSubPr>
+                        <m:e>
+                          <m:r>
+                            <a:rPr lang="en-US" b="0" i="1" smtClean="0">
+                              <a:latin typeface="Cambria Math" panose="02040503050406030204" pitchFamily="18" charset="0"/>
+                            </a:rPr>
+                            <m:t>𝑠</m:t>
+                          </m:r>
+                        </m:e>
+                        <m:sub>
+                          <m:r>
+                            <a:rPr lang="en-US" b="0" i="1" smtClean="0">
+                              <a:latin typeface="Cambria Math" panose="02040503050406030204" pitchFamily="18" charset="0"/>
+                            </a:rPr>
+                            <m:t>𝑖</m:t>
+                          </m:r>
+                          <m:r>
+                            <a:rPr lang="en-US" b="0" i="1" smtClean="0">
+                              <a:latin typeface="Cambria Math" panose="02040503050406030204" pitchFamily="18" charset="0"/>
+                            </a:rPr>
+                            <m:t>−1</m:t>
+                          </m:r>
+                        </m:sub>
+                      </m:sSub>
+                      <m:r>
+                        <a:rPr lang="en-US" b="0" i="1" smtClean="0">
+                          <a:latin typeface="Cambria Math" panose="02040503050406030204" pitchFamily="18" charset="0"/>
+                        </a:rPr>
+                        <m:t>−2</m:t>
+                      </m:r>
+                      <m:sSub>
+                        <m:sSubPr>
+                          <m:ctrlPr>
+                            <a:rPr lang="en-US" b="0" i="1" smtClean="0">
+                              <a:latin typeface="Cambria Math" panose="02040503050406030204" pitchFamily="18" charset="0"/>
+                            </a:rPr>
+                          </m:ctrlPr>
+                        </m:sSubPr>
+                        <m:e>
+                          <m:r>
+                            <a:rPr lang="en-US" b="0" i="1" smtClean="0">
+                              <a:latin typeface="Cambria Math" panose="02040503050406030204" pitchFamily="18" charset="0"/>
+                            </a:rPr>
+                            <m:t>𝑠</m:t>
+                          </m:r>
+                        </m:e>
+                        <m:sub>
+                          <m:r>
+                            <a:rPr lang="en-US" b="0" i="1" smtClean="0">
+                              <a:latin typeface="Cambria Math" panose="02040503050406030204" pitchFamily="18" charset="0"/>
+                            </a:rPr>
+                            <m:t>𝑖</m:t>
+                          </m:r>
+                        </m:sub>
+                      </m:sSub>
+                      <m:sSub>
+                        <m:sSubPr>
+                          <m:ctrlPr>
+                            <a:rPr lang="en-US" i="1">
+                              <a:latin typeface="Cambria Math" panose="02040503050406030204" pitchFamily="18" charset="0"/>
+                            </a:rPr>
+                          </m:ctrlPr>
+                        </m:sSubPr>
+                        <m:e>
+                          <m:r>
+                            <a:rPr lang="en-US" i="1">
+                              <a:latin typeface="Cambria Math" panose="02040503050406030204" pitchFamily="18" charset="0"/>
+                            </a:rPr>
+                            <m:t>𝑒</m:t>
+                          </m:r>
+                        </m:e>
+                        <m:sub>
+                          <m:r>
+                            <a:rPr lang="en-US" b="0" i="1" smtClean="0">
+                              <a:latin typeface="Cambria Math" panose="02040503050406030204" pitchFamily="18" charset="0"/>
+                            </a:rPr>
+                            <m:t>𝑢</m:t>
+                          </m:r>
+                          <m:r>
+                            <a:rPr lang="en-US" i="1">
+                              <a:latin typeface="Cambria Math" panose="02040503050406030204" pitchFamily="18" charset="0"/>
+                            </a:rPr>
+                            <m:t>,</m:t>
+                          </m:r>
+                          <m:r>
+                            <a:rPr lang="en-US" i="1">
+                              <a:latin typeface="Cambria Math" panose="02040503050406030204" pitchFamily="18" charset="0"/>
+                            </a:rPr>
+                            <m:t>𝑣</m:t>
+                          </m:r>
+                        </m:sub>
+                      </m:sSub>
+                      <m:r>
+                        <a:rPr lang="en-US" b="0" i="1" smtClean="0">
+                          <a:latin typeface="Cambria Math" panose="02040503050406030204" pitchFamily="18" charset="0"/>
+                        </a:rPr>
+                        <m:t>=0</m:t>
+                      </m:r>
+                    </m:oMath>
+                  </m:oMathPara>
+                </a14:m>
+                <a:endParaRPr lang="en-US" dirty="0"/>
+              </a:p>
+              <a:p>
+                <a:r>
+                  <a:rPr lang="en-US" dirty="0"/>
+                  <a:t>Will reduce complexity of constraint 3 from </a:t>
+                </a:r>
+                <a14:m>
+                  <m:oMath xmlns:m="http://schemas.openxmlformats.org/officeDocument/2006/math">
+                    <m:sSup>
+                      <m:sSupPr>
+                        <m:ctrlPr>
+                          <a:rPr lang="en-US" b="0" i="1" smtClean="0">
+                            <a:latin typeface="Cambria Math" panose="02040503050406030204" pitchFamily="18" charset="0"/>
+                          </a:rPr>
+                        </m:ctrlPr>
+                      </m:sSupPr>
+                      <m:e>
+                        <m:r>
+                          <a:rPr lang="en-US" b="0" i="1" smtClean="0">
+                            <a:latin typeface="Cambria Math" panose="02040503050406030204" pitchFamily="18" charset="0"/>
+                          </a:rPr>
+                          <m:t>𝑂</m:t>
+                        </m:r>
+                        <m:r>
+                          <a:rPr lang="en-US" b="0" i="1" smtClean="0">
+                            <a:latin typeface="Cambria Math" panose="02040503050406030204" pitchFamily="18" charset="0"/>
+                          </a:rPr>
+                          <m:t>(</m:t>
+                        </m:r>
+                        <m:r>
+                          <a:rPr lang="en-US" b="0" i="1" smtClean="0">
+                            <a:latin typeface="Cambria Math" panose="02040503050406030204" pitchFamily="18" charset="0"/>
+                          </a:rPr>
+                          <m:t>𝑉𝐸</m:t>
+                        </m:r>
+                      </m:e>
+                      <m:sup>
+                        <m:r>
+                          <a:rPr lang="en-US" b="0" i="1" smtClean="0">
+                            <a:latin typeface="Cambria Math" panose="02040503050406030204" pitchFamily="18" charset="0"/>
+                          </a:rPr>
+                          <m:t>2</m:t>
+                        </m:r>
+                      </m:sup>
+                    </m:sSup>
+                    <m:r>
+                      <a:rPr lang="en-US" b="0" i="1" smtClean="0">
+                        <a:latin typeface="Cambria Math" panose="02040503050406030204" pitchFamily="18" charset="0"/>
+                      </a:rPr>
+                      <m:t>)</m:t>
+                    </m:r>
+                  </m:oMath>
+                </a14:m>
+                <a:r>
+                  <a:rPr lang="en-US" dirty="0"/>
+                  <a:t> to </a:t>
+                </a:r>
+                <a14:m>
+                  <m:oMath xmlns:m="http://schemas.openxmlformats.org/officeDocument/2006/math">
+                    <m:r>
+                      <a:rPr lang="en-US" b="0" i="1" smtClean="0">
+                        <a:latin typeface="Cambria Math" panose="02040503050406030204" pitchFamily="18" charset="0"/>
+                      </a:rPr>
+                      <m:t>𝑂</m:t>
+                    </m:r>
+                    <m:r>
+                      <a:rPr lang="en-US" b="0" i="1" smtClean="0">
+                        <a:latin typeface="Cambria Math" panose="02040503050406030204" pitchFamily="18" charset="0"/>
+                      </a:rPr>
+                      <m:t>(</m:t>
+                    </m:r>
+                    <m:r>
+                      <a:rPr lang="en-US" b="0" i="1" smtClean="0">
+                        <a:latin typeface="Cambria Math" panose="02040503050406030204" pitchFamily="18" charset="0"/>
+                      </a:rPr>
+                      <m:t>𝑘</m:t>
+                    </m:r>
+                    <m:sSup>
+                      <m:sSupPr>
+                        <m:ctrlPr>
+                          <a:rPr lang="en-US" b="0" i="1" smtClean="0">
+                            <a:latin typeface="Cambria Math" panose="02040503050406030204" pitchFamily="18" charset="0"/>
+                          </a:rPr>
+                        </m:ctrlPr>
+                      </m:sSupPr>
+                      <m:e>
+                        <m:r>
+                          <a:rPr lang="en-US" b="0" i="1" smtClean="0">
+                            <a:latin typeface="Cambria Math" panose="02040503050406030204" pitchFamily="18" charset="0"/>
+                          </a:rPr>
+                          <m:t>𝐸</m:t>
+                        </m:r>
+                      </m:e>
+                      <m:sup>
+                        <m:r>
+                          <a:rPr lang="en-US" b="0" i="1" smtClean="0">
+                            <a:latin typeface="Cambria Math" panose="02040503050406030204" pitchFamily="18" charset="0"/>
+                          </a:rPr>
+                          <m:t>2</m:t>
+                        </m:r>
+                      </m:sup>
+                    </m:sSup>
+                    <m:r>
+                      <a:rPr lang="en-US" b="0" i="1" smtClean="0">
+                        <a:latin typeface="Cambria Math" panose="02040503050406030204" pitchFamily="18" charset="0"/>
+                      </a:rPr>
+                      <m:t>)</m:t>
+                    </m:r>
+                  </m:oMath>
+                </a14:m>
+                <a:endParaRPr lang="en-US" dirty="0"/>
+              </a:p>
+            </p:txBody>
+          </p:sp>
+        </mc:Choice>
+        <mc:Fallback>
+          <p:sp>
+            <p:nvSpPr>
+              <p:cNvPr id="3" name="Content Placeholder 2">
+                <a:extLst>
+                  <a:ext uri="{FF2B5EF4-FFF2-40B4-BE49-F238E27FC236}">
+                    <a16:creationId xmlns:a16="http://schemas.microsoft.com/office/drawing/2014/main" id="{962CF852-07E8-4DD6-E29A-5B0715A3FF42}"/>
+                  </a:ext>
+                </a:extLst>
+              </p:cNvPr>
+              <p:cNvSpPr>
+                <a:spLocks noGrp="1" noRot="1" noChangeAspect="1" noMove="1" noResize="1" noEditPoints="1" noAdjustHandles="1" noChangeArrowheads="1" noChangeShapeType="1" noTextEdit="1"/>
+              </p:cNvSpPr>
+              <p:nvPr>
+                <p:ph idx="1"/>
+              </p:nvPr>
+            </p:nvSpPr>
+            <p:spPr>
+              <a:blipFill>
+                <a:blip r:embed="rId2"/>
+                <a:stretch>
+                  <a:fillRect l="-1043"/>
+                </a:stretch>
+              </a:blipFill>
+            </p:spPr>
+            <p:txBody>
+              <a:bodyPr/>
+              <a:lstStyle/>
+              <a:p>
+                <a:r>
+                  <a:rPr lang="en-US">
+                    <a:noFill/>
+                  </a:rPr>
+                  <a:t> </a:t>
+                </a:r>
+              </a:p>
+            </p:txBody>
+          </p:sp>
+        </mc:Fallback>
+      </mc:AlternateContent>
+    </p:spTree>
+    <p:extLst>
+      <p:ext uri="{BB962C8B-B14F-4D97-AF65-F5344CB8AC3E}">
+        <p14:creationId xmlns:p14="http://schemas.microsoft.com/office/powerpoint/2010/main" val="665515660"/>
+      </p:ext>
+    </p:extLst>
+  </p:cSld>
+  <p:clrMapOvr>
+    <a:masterClrMapping/>
+  </p:clrMapOvr>
+</p:sld>
+</file>
+
+<file path=ppt/slides/slide41.xml><?xml version="1.0" encoding="utf-8"?>
+<p:sld xmlns:a="http://schemas.openxmlformats.org/drawingml/2006/main" xmlns:r="http://schemas.openxmlformats.org/officeDocument/2006/relationships" xmlns:p="http://schemas.openxmlformats.org/presentationml/2006/main">
+  <p:cSld>
+    <p:spTree>
+      <p:nvGrpSpPr>
+        <p:cNvPr id="1" name=""/>
+        <p:cNvGrpSpPr/>
+        <p:nvPr/>
+      </p:nvGrpSpPr>
+      <p:grpSpPr>
+        <a:xfrm>
+          <a:off x="0" y="0"/>
+          <a:ext cx="0" cy="0"/>
+          <a:chOff x="0" y="0"/>
+          <a:chExt cx="0" cy="0"/>
+        </a:xfrm>
+      </p:grpSpPr>
+      <p:sp>
+        <p:nvSpPr>
+          <p:cNvPr id="2" name="Title 1">
+            <a:extLst>
+              <a:ext uri="{FF2B5EF4-FFF2-40B4-BE49-F238E27FC236}">
+                <a16:creationId xmlns:a16="http://schemas.microsoft.com/office/drawing/2014/main" id="{929006B7-C4E4-02AE-4AA2-204E7EA99DE9}"/>
+              </a:ext>
+            </a:extLst>
+          </p:cNvPr>
+          <p:cNvSpPr>
+            <a:spLocks noGrp="1"/>
+          </p:cNvSpPr>
+          <p:nvPr>
+            <p:ph type="title"/>
+          </p:nvPr>
+        </p:nvSpPr>
+        <p:spPr/>
+        <p:txBody>
+          <a:bodyPr/>
+          <a:lstStyle/>
+          <a:p>
+            <a:endParaRPr lang="en-US"/>
+          </a:p>
+        </p:txBody>
+      </p:sp>
+      <p:pic>
+        <p:nvPicPr>
+          <p:cNvPr id="7" name="Content Placeholder 6">
+            <a:extLst>
+              <a:ext uri="{FF2B5EF4-FFF2-40B4-BE49-F238E27FC236}">
+                <a16:creationId xmlns:a16="http://schemas.microsoft.com/office/drawing/2014/main" id="{6FE77907-D8FE-711C-9E79-B610FB338A52}"/>
+              </a:ext>
+            </a:extLst>
+          </p:cNvPr>
+          <p:cNvPicPr>
+            <a:picLocks noGrp="1" noChangeAspect="1"/>
+          </p:cNvPicPr>
+          <p:nvPr>
+            <p:ph idx="1"/>
+          </p:nvPr>
+        </p:nvPicPr>
+        <p:blipFill>
+          <a:blip r:embed="rId2"/>
+          <a:stretch>
+            <a:fillRect/>
+          </a:stretch>
+        </p:blipFill>
+        <p:spPr>
+          <a:xfrm>
+            <a:off x="838200" y="105066"/>
+            <a:ext cx="6005080" cy="3772227"/>
+          </a:xfrm>
+        </p:spPr>
+      </p:pic>
+      <p:pic>
+        <p:nvPicPr>
+          <p:cNvPr id="5" name="Picture 4">
+            <a:extLst>
+              <a:ext uri="{FF2B5EF4-FFF2-40B4-BE49-F238E27FC236}">
+                <a16:creationId xmlns:a16="http://schemas.microsoft.com/office/drawing/2014/main" id="{FBBF5E5D-E0F2-BB83-27F1-05CD76113DA5}"/>
+              </a:ext>
+            </a:extLst>
+          </p:cNvPr>
+          <p:cNvPicPr>
+            <a:picLocks noChangeAspect="1"/>
+          </p:cNvPicPr>
+          <p:nvPr/>
+        </p:nvPicPr>
+        <p:blipFill>
+          <a:blip r:embed="rId3"/>
+          <a:stretch>
+            <a:fillRect/>
+          </a:stretch>
+        </p:blipFill>
+        <p:spPr>
+          <a:xfrm>
+            <a:off x="838200" y="4170524"/>
+            <a:ext cx="3673158" cy="647756"/>
+          </a:xfrm>
+          <a:prstGeom prst="rect">
+            <a:avLst/>
+          </a:prstGeom>
+        </p:spPr>
+      </p:pic>
+      <p:pic>
+        <p:nvPicPr>
+          <p:cNvPr id="9" name="Picture 8">
+            <a:extLst>
+              <a:ext uri="{FF2B5EF4-FFF2-40B4-BE49-F238E27FC236}">
+                <a16:creationId xmlns:a16="http://schemas.microsoft.com/office/drawing/2014/main" id="{3F999EEE-B900-7C30-24F3-12577992ADEA}"/>
+              </a:ext>
+            </a:extLst>
+          </p:cNvPr>
+          <p:cNvPicPr>
+            <a:picLocks noChangeAspect="1"/>
+          </p:cNvPicPr>
+          <p:nvPr/>
+        </p:nvPicPr>
+        <p:blipFill>
+          <a:blip r:embed="rId4"/>
+          <a:stretch>
+            <a:fillRect/>
+          </a:stretch>
+        </p:blipFill>
+        <p:spPr>
+          <a:xfrm>
+            <a:off x="6600954" y="3318998"/>
+            <a:ext cx="2278577" cy="1409822"/>
+          </a:xfrm>
+          <a:prstGeom prst="rect">
+            <a:avLst/>
+          </a:prstGeom>
+        </p:spPr>
+      </p:pic>
+    </p:spTree>
+    <p:extLst>
+      <p:ext uri="{BB962C8B-B14F-4D97-AF65-F5344CB8AC3E}">
+        <p14:creationId xmlns:p14="http://schemas.microsoft.com/office/powerpoint/2010/main" val="3114242005"/>
+      </p:ext>
+    </p:extLst>
+  </p:cSld>
+  <p:clrMapOvr>
+    <a:masterClrMapping/>
+  </p:clrMapOvr>
+</p:sld>
+</file>
+
+<file path=ppt/slides/slide42.xml><?xml version="1.0" encoding="utf-8"?>
+<p:sld xmlns:a="http://schemas.openxmlformats.org/drawingml/2006/main" xmlns:r="http://schemas.openxmlformats.org/officeDocument/2006/relationships" xmlns:p="http://schemas.openxmlformats.org/presentationml/2006/main">
+  <p:cSld>
+    <p:spTree>
+      <p:nvGrpSpPr>
+        <p:cNvPr id="1" name=""/>
+        <p:cNvGrpSpPr/>
+        <p:nvPr/>
+      </p:nvGrpSpPr>
+      <p:grpSpPr>
+        <a:xfrm>
+          <a:off x="0" y="0"/>
+          <a:ext cx="0" cy="0"/>
+          <a:chOff x="0" y="0"/>
+          <a:chExt cx="0" cy="0"/>
+        </a:xfrm>
+      </p:grpSpPr>
+      <p:sp>
+        <p:nvSpPr>
+          <p:cNvPr id="2" name="Title 1">
+            <a:extLst>
+              <a:ext uri="{FF2B5EF4-FFF2-40B4-BE49-F238E27FC236}">
+                <a16:creationId xmlns:a16="http://schemas.microsoft.com/office/drawing/2014/main" id="{01AB85D5-0BCC-6E63-DCC9-C00D342612C9}"/>
+              </a:ext>
+            </a:extLst>
+          </p:cNvPr>
+          <p:cNvSpPr>
+            <a:spLocks noGrp="1"/>
+          </p:cNvSpPr>
+          <p:nvPr>
+            <p:ph type="title"/>
+          </p:nvPr>
+        </p:nvSpPr>
+        <p:spPr/>
+        <p:txBody>
+          <a:bodyPr/>
+          <a:lstStyle/>
+          <a:p>
+            <a:r>
+              <a:rPr lang="en-US" dirty="0"/>
+              <a:t>Hybrid test</a:t>
+            </a:r>
+          </a:p>
+        </p:txBody>
+      </p:sp>
+      <p:sp>
+        <p:nvSpPr>
+          <p:cNvPr id="3" name="Content Placeholder 2">
+            <a:extLst>
+              <a:ext uri="{FF2B5EF4-FFF2-40B4-BE49-F238E27FC236}">
+                <a16:creationId xmlns:a16="http://schemas.microsoft.com/office/drawing/2014/main" id="{4A05AB9D-BB0D-C5C9-6940-AFE85BE24311}"/>
+              </a:ext>
+            </a:extLst>
+          </p:cNvPr>
+          <p:cNvSpPr>
+            <a:spLocks noGrp="1"/>
+          </p:cNvSpPr>
+          <p:nvPr>
+            <p:ph idx="1"/>
+          </p:nvPr>
+        </p:nvSpPr>
+        <p:spPr/>
+        <p:txBody>
+          <a:bodyPr/>
+          <a:lstStyle/>
+          <a:p>
+            <a:endParaRPr lang="en-US"/>
+          </a:p>
+        </p:txBody>
+      </p:sp>
+    </p:spTree>
+    <p:extLst>
+      <p:ext uri="{BB962C8B-B14F-4D97-AF65-F5344CB8AC3E}">
+        <p14:creationId xmlns:p14="http://schemas.microsoft.com/office/powerpoint/2010/main" val="4079246744"/>
       </p:ext>
     </p:extLst>
   </p:cSld>
